--- a/Specs/ContentApp.pptx
+++ b/Specs/ContentApp.pptx
@@ -13891,7 +13891,7 @@
               </a:pPr>
               <a:r>
                 <a:rPr lang="en-US" sz="1500" kern="1200" dirty="0" smtClean="0"/>
-                <a:t>message</a:t>
+                <a:t>mail</a:t>
               </a:r>
               <a:endParaRPr lang="en-US" sz="1500" kern="1200" dirty="0"/>
             </a:p>
@@ -14025,7 +14025,7 @@
               </a:pPr>
               <a:r>
                 <a:rPr lang="en-US" sz="1500" kern="1200" dirty="0" smtClean="0"/>
-                <a:t>system</a:t>
+                <a:t>messages</a:t>
               </a:r>
               <a:endParaRPr lang="en-US" sz="1500" kern="1200" dirty="0"/>
             </a:p>
@@ -14394,13 +14394,13 @@
           <p:nvPr>
             <p:extLst>
               <p:ext uri="{D42A27DB-BD31-4B8C-83A1-F6EECF244321}">
-                <p14:modId xmlns:p14="http://schemas.microsoft.com/office/powerpoint/2010/main" val="2578666569"/>
+                <p14:modId xmlns:p14="http://schemas.microsoft.com/office/powerpoint/2010/main" val="1078576075"/>
               </p:ext>
             </p:extLst>
           </p:nvPr>
         </p:nvGraphicFramePr>
         <p:xfrm>
-          <a:off x="4542609" y="617817"/>
+          <a:off x="5841422" y="781101"/>
           <a:ext cx="4343400" cy="3924300"/>
         </p:xfrm>
         <a:graphic>
@@ -14419,7 +14419,7 @@
                     <a:p>
                       <a:pPr algn="l" fontAlgn="t"/>
                       <a:r>
-                        <a:rPr lang="en-US" sz="1600" b="1" i="0" u="none" strike="noStrike">
+                        <a:rPr lang="en-US" sz="1600" b="1" i="0" u="none" strike="noStrike" dirty="0">
                           <a:solidFill>
                             <a:srgbClr val="FFFFFF"/>
                           </a:solidFill>
@@ -15177,7 +15177,7 @@
                     <a:p>
                       <a:pPr algn="l" fontAlgn="t"/>
                       <a:r>
-                        <a:rPr lang="en-US" sz="1200" b="1" i="0" u="none" strike="noStrike">
+                        <a:rPr lang="en-US" sz="1200" b="1" i="0" u="none" strike="noStrike" dirty="0">
                           <a:solidFill>
                             <a:srgbClr val="636363"/>
                           </a:solidFill>
@@ -15397,9 +15397,9 @@
                     <a:p>
                       <a:pPr algn="l" fontAlgn="t"/>
                       <a:r>
-                        <a:rPr lang="en-US" sz="1200" b="0" i="0" u="none" strike="noStrike">
+                        <a:rPr lang="en-US" sz="1200" b="0" i="0" u="none" strike="noStrike" dirty="0">
                           <a:solidFill>
-                            <a:srgbClr val="636363"/>
+                            <a:srgbClr val="FF0000"/>
                           </a:solidFill>
                           <a:effectLst/>
                           <a:latin typeface="Helvetica Neue"/>
